--- a/Weekly Meetings/HEP_Angular_Distributions_Presentation_27May2019.pptx
+++ b/Weekly Meetings/HEP_Angular_Distributions_Presentation_27May2019.pptx
@@ -5,20 +5,12 @@
     <p:sldMasterId id="2147483875" r:id="rId1"/>
   </p:sldMasterIdLst>
   <p:notesMasterIdLst>
-    <p:notesMasterId r:id="rId13"/>
+    <p:notesMasterId r:id="rId5"/>
   </p:notesMasterIdLst>
   <p:sldIdLst>
     <p:sldId id="256" r:id="rId2"/>
     <p:sldId id="258" r:id="rId3"/>
     <p:sldId id="259" r:id="rId4"/>
-    <p:sldId id="260" r:id="rId5"/>
-    <p:sldId id="261" r:id="rId6"/>
-    <p:sldId id="262" r:id="rId7"/>
-    <p:sldId id="263" r:id="rId8"/>
-    <p:sldId id="264" r:id="rId9"/>
-    <p:sldId id="265" r:id="rId10"/>
-    <p:sldId id="266" r:id="rId11"/>
-    <p:sldId id="267" r:id="rId12"/>
   </p:sldIdLst>
   <p:sldSz cx="12192000" cy="6858000"/>
   <p:notesSz cx="6858000" cy="9144000"/>
@@ -207,7 +199,7 @@
           <a:p>
             <a:fld id="{E0F3FC76-411E-494E-BBF7-54618820D3D9}" type="datetimeFigureOut">
               <a:rPr lang="en-GB" smtClean="0"/>
-              <a:t>27/05/2019</a:t>
+              <a:t>28/05/2019</a:t>
             </a:fld>
             <a:endParaRPr lang="en-GB"/>
           </a:p>
@@ -559,174 +551,6 @@
 </p:notes>
 </file>
 
-<file path=ppt/notesSlides/notesSlide10.xml><?xml version="1.0" encoding="utf-8"?>
-<p:notes xmlns:a="http://schemas.openxmlformats.org/drawingml/2006/main" xmlns:r="http://schemas.openxmlformats.org/officeDocument/2006/relationships" xmlns:p="http://schemas.openxmlformats.org/presentationml/2006/main">
-  <p:cSld>
-    <p:spTree>
-      <p:nvGrpSpPr>
-        <p:cNvPr id="1" name=""/>
-        <p:cNvGrpSpPr/>
-        <p:nvPr/>
-      </p:nvGrpSpPr>
-      <p:grpSpPr>
-        <a:xfrm>
-          <a:off x="0" y="0"/>
-          <a:ext cx="0" cy="0"/>
-          <a:chOff x="0" y="0"/>
-          <a:chExt cx="0" cy="0"/>
-        </a:xfrm>
-      </p:grpSpPr>
-      <p:sp>
-        <p:nvSpPr>
-          <p:cNvPr id="2" name="Slide Image Placeholder 1"/>
-          <p:cNvSpPr>
-            <a:spLocks noGrp="1" noRot="1" noChangeAspect="1"/>
-          </p:cNvSpPr>
-          <p:nvPr>
-            <p:ph type="sldImg"/>
-          </p:nvPr>
-        </p:nvSpPr>
-        <p:spPr/>
-      </p:sp>
-      <p:sp>
-        <p:nvSpPr>
-          <p:cNvPr id="3" name="Notes Placeholder 2"/>
-          <p:cNvSpPr>
-            <a:spLocks noGrp="1"/>
-          </p:cNvSpPr>
-          <p:nvPr>
-            <p:ph type="body" idx="1"/>
-          </p:nvPr>
-        </p:nvSpPr>
-        <p:spPr/>
-        <p:txBody>
-          <a:bodyPr/>
-          <a:lstStyle/>
-          <a:p>
-            <a:endParaRPr lang="en-GB" dirty="0"/>
-          </a:p>
-        </p:txBody>
-      </p:sp>
-      <p:sp>
-        <p:nvSpPr>
-          <p:cNvPr id="4" name="Slide Number Placeholder 3"/>
-          <p:cNvSpPr>
-            <a:spLocks noGrp="1"/>
-          </p:cNvSpPr>
-          <p:nvPr>
-            <p:ph type="sldNum" sz="quarter" idx="10"/>
-          </p:nvPr>
-        </p:nvSpPr>
-        <p:spPr/>
-        <p:txBody>
-          <a:bodyPr/>
-          <a:lstStyle/>
-          <a:p>
-            <a:fld id="{DDE251E9-812E-4854-B6DD-3E1C329A13AA}" type="slidenum">
-              <a:rPr lang="en-GB" smtClean="0"/>
-              <a:t>10</a:t>
-            </a:fld>
-            <a:endParaRPr lang="en-GB"/>
-          </a:p>
-        </p:txBody>
-      </p:sp>
-    </p:spTree>
-    <p:extLst>
-      <p:ext uri="{BB962C8B-B14F-4D97-AF65-F5344CB8AC3E}">
-        <p14:creationId xmlns:p14="http://schemas.microsoft.com/office/powerpoint/2010/main" val="2971515485"/>
-      </p:ext>
-    </p:extLst>
-  </p:cSld>
-  <p:clrMapOvr>
-    <a:masterClrMapping/>
-  </p:clrMapOvr>
-</p:notes>
-</file>
-
-<file path=ppt/notesSlides/notesSlide11.xml><?xml version="1.0" encoding="utf-8"?>
-<p:notes xmlns:a="http://schemas.openxmlformats.org/drawingml/2006/main" xmlns:r="http://schemas.openxmlformats.org/officeDocument/2006/relationships" xmlns:p="http://schemas.openxmlformats.org/presentationml/2006/main">
-  <p:cSld>
-    <p:spTree>
-      <p:nvGrpSpPr>
-        <p:cNvPr id="1" name=""/>
-        <p:cNvGrpSpPr/>
-        <p:nvPr/>
-      </p:nvGrpSpPr>
-      <p:grpSpPr>
-        <a:xfrm>
-          <a:off x="0" y="0"/>
-          <a:ext cx="0" cy="0"/>
-          <a:chOff x="0" y="0"/>
-          <a:chExt cx="0" cy="0"/>
-        </a:xfrm>
-      </p:grpSpPr>
-      <p:sp>
-        <p:nvSpPr>
-          <p:cNvPr id="2" name="Slide Image Placeholder 1"/>
-          <p:cNvSpPr>
-            <a:spLocks noGrp="1" noRot="1" noChangeAspect="1"/>
-          </p:cNvSpPr>
-          <p:nvPr>
-            <p:ph type="sldImg"/>
-          </p:nvPr>
-        </p:nvSpPr>
-        <p:spPr/>
-      </p:sp>
-      <p:sp>
-        <p:nvSpPr>
-          <p:cNvPr id="3" name="Notes Placeholder 2"/>
-          <p:cNvSpPr>
-            <a:spLocks noGrp="1"/>
-          </p:cNvSpPr>
-          <p:nvPr>
-            <p:ph type="body" idx="1"/>
-          </p:nvPr>
-        </p:nvSpPr>
-        <p:spPr/>
-        <p:txBody>
-          <a:bodyPr/>
-          <a:lstStyle/>
-          <a:p>
-            <a:endParaRPr lang="en-GB" dirty="0"/>
-          </a:p>
-        </p:txBody>
-      </p:sp>
-      <p:sp>
-        <p:nvSpPr>
-          <p:cNvPr id="4" name="Slide Number Placeholder 3"/>
-          <p:cNvSpPr>
-            <a:spLocks noGrp="1"/>
-          </p:cNvSpPr>
-          <p:nvPr>
-            <p:ph type="sldNum" sz="quarter" idx="10"/>
-          </p:nvPr>
-        </p:nvSpPr>
-        <p:spPr/>
-        <p:txBody>
-          <a:bodyPr/>
-          <a:lstStyle/>
-          <a:p>
-            <a:fld id="{DDE251E9-812E-4854-B6DD-3E1C329A13AA}" type="slidenum">
-              <a:rPr lang="en-GB" smtClean="0"/>
-              <a:t>11</a:t>
-            </a:fld>
-            <a:endParaRPr lang="en-GB"/>
-          </a:p>
-        </p:txBody>
-      </p:sp>
-    </p:spTree>
-    <p:extLst>
-      <p:ext uri="{BB962C8B-B14F-4D97-AF65-F5344CB8AC3E}">
-        <p14:creationId xmlns:p14="http://schemas.microsoft.com/office/powerpoint/2010/main" val="2170847370"/>
-      </p:ext>
-    </p:extLst>
-  </p:cSld>
-  <p:clrMapOvr>
-    <a:masterClrMapping/>
-  </p:clrMapOvr>
-</p:notes>
-</file>
-
 <file path=ppt/notesSlides/notesSlide2.xml><?xml version="1.0" encoding="utf-8"?>
 <p:notes xmlns:a="http://schemas.openxmlformats.org/drawingml/2006/main" xmlns:r="http://schemas.openxmlformats.org/officeDocument/2006/relationships" xmlns:p="http://schemas.openxmlformats.org/presentationml/2006/main">
   <p:cSld>
@@ -886,510 +710,6 @@
     <p:extLst>
       <p:ext uri="{BB962C8B-B14F-4D97-AF65-F5344CB8AC3E}">
         <p14:creationId xmlns:p14="http://schemas.microsoft.com/office/powerpoint/2010/main" val="1092753250"/>
-      </p:ext>
-    </p:extLst>
-  </p:cSld>
-  <p:clrMapOvr>
-    <a:masterClrMapping/>
-  </p:clrMapOvr>
-</p:notes>
-</file>
-
-<file path=ppt/notesSlides/notesSlide4.xml><?xml version="1.0" encoding="utf-8"?>
-<p:notes xmlns:a="http://schemas.openxmlformats.org/drawingml/2006/main" xmlns:r="http://schemas.openxmlformats.org/officeDocument/2006/relationships" xmlns:p="http://schemas.openxmlformats.org/presentationml/2006/main">
-  <p:cSld>
-    <p:spTree>
-      <p:nvGrpSpPr>
-        <p:cNvPr id="1" name=""/>
-        <p:cNvGrpSpPr/>
-        <p:nvPr/>
-      </p:nvGrpSpPr>
-      <p:grpSpPr>
-        <a:xfrm>
-          <a:off x="0" y="0"/>
-          <a:ext cx="0" cy="0"/>
-          <a:chOff x="0" y="0"/>
-          <a:chExt cx="0" cy="0"/>
-        </a:xfrm>
-      </p:grpSpPr>
-      <p:sp>
-        <p:nvSpPr>
-          <p:cNvPr id="2" name="Slide Image Placeholder 1"/>
-          <p:cNvSpPr>
-            <a:spLocks noGrp="1" noRot="1" noChangeAspect="1"/>
-          </p:cNvSpPr>
-          <p:nvPr>
-            <p:ph type="sldImg"/>
-          </p:nvPr>
-        </p:nvSpPr>
-        <p:spPr/>
-      </p:sp>
-      <p:sp>
-        <p:nvSpPr>
-          <p:cNvPr id="3" name="Notes Placeholder 2"/>
-          <p:cNvSpPr>
-            <a:spLocks noGrp="1"/>
-          </p:cNvSpPr>
-          <p:nvPr>
-            <p:ph type="body" idx="1"/>
-          </p:nvPr>
-        </p:nvSpPr>
-        <p:spPr/>
-        <p:txBody>
-          <a:bodyPr/>
-          <a:lstStyle/>
-          <a:p>
-            <a:endParaRPr lang="en-GB" dirty="0"/>
-          </a:p>
-        </p:txBody>
-      </p:sp>
-      <p:sp>
-        <p:nvSpPr>
-          <p:cNvPr id="4" name="Slide Number Placeholder 3"/>
-          <p:cNvSpPr>
-            <a:spLocks noGrp="1"/>
-          </p:cNvSpPr>
-          <p:nvPr>
-            <p:ph type="sldNum" sz="quarter" idx="10"/>
-          </p:nvPr>
-        </p:nvSpPr>
-        <p:spPr/>
-        <p:txBody>
-          <a:bodyPr/>
-          <a:lstStyle/>
-          <a:p>
-            <a:fld id="{DDE251E9-812E-4854-B6DD-3E1C329A13AA}" type="slidenum">
-              <a:rPr lang="en-GB" smtClean="0"/>
-              <a:t>4</a:t>
-            </a:fld>
-            <a:endParaRPr lang="en-GB"/>
-          </a:p>
-        </p:txBody>
-      </p:sp>
-    </p:spTree>
-    <p:extLst>
-      <p:ext uri="{BB962C8B-B14F-4D97-AF65-F5344CB8AC3E}">
-        <p14:creationId xmlns:p14="http://schemas.microsoft.com/office/powerpoint/2010/main" val="3550521313"/>
-      </p:ext>
-    </p:extLst>
-  </p:cSld>
-  <p:clrMapOvr>
-    <a:masterClrMapping/>
-  </p:clrMapOvr>
-</p:notes>
-</file>
-
-<file path=ppt/notesSlides/notesSlide5.xml><?xml version="1.0" encoding="utf-8"?>
-<p:notes xmlns:a="http://schemas.openxmlformats.org/drawingml/2006/main" xmlns:r="http://schemas.openxmlformats.org/officeDocument/2006/relationships" xmlns:p="http://schemas.openxmlformats.org/presentationml/2006/main">
-  <p:cSld>
-    <p:spTree>
-      <p:nvGrpSpPr>
-        <p:cNvPr id="1" name=""/>
-        <p:cNvGrpSpPr/>
-        <p:nvPr/>
-      </p:nvGrpSpPr>
-      <p:grpSpPr>
-        <a:xfrm>
-          <a:off x="0" y="0"/>
-          <a:ext cx="0" cy="0"/>
-          <a:chOff x="0" y="0"/>
-          <a:chExt cx="0" cy="0"/>
-        </a:xfrm>
-      </p:grpSpPr>
-      <p:sp>
-        <p:nvSpPr>
-          <p:cNvPr id="2" name="Slide Image Placeholder 1"/>
-          <p:cNvSpPr>
-            <a:spLocks noGrp="1" noRot="1" noChangeAspect="1"/>
-          </p:cNvSpPr>
-          <p:nvPr>
-            <p:ph type="sldImg"/>
-          </p:nvPr>
-        </p:nvSpPr>
-        <p:spPr/>
-      </p:sp>
-      <p:sp>
-        <p:nvSpPr>
-          <p:cNvPr id="3" name="Notes Placeholder 2"/>
-          <p:cNvSpPr>
-            <a:spLocks noGrp="1"/>
-          </p:cNvSpPr>
-          <p:nvPr>
-            <p:ph type="body" idx="1"/>
-          </p:nvPr>
-        </p:nvSpPr>
-        <p:spPr/>
-        <p:txBody>
-          <a:bodyPr/>
-          <a:lstStyle/>
-          <a:p>
-            <a:endParaRPr lang="en-GB" dirty="0"/>
-          </a:p>
-        </p:txBody>
-      </p:sp>
-      <p:sp>
-        <p:nvSpPr>
-          <p:cNvPr id="4" name="Slide Number Placeholder 3"/>
-          <p:cNvSpPr>
-            <a:spLocks noGrp="1"/>
-          </p:cNvSpPr>
-          <p:nvPr>
-            <p:ph type="sldNum" sz="quarter" idx="10"/>
-          </p:nvPr>
-        </p:nvSpPr>
-        <p:spPr/>
-        <p:txBody>
-          <a:bodyPr/>
-          <a:lstStyle/>
-          <a:p>
-            <a:fld id="{DDE251E9-812E-4854-B6DD-3E1C329A13AA}" type="slidenum">
-              <a:rPr lang="en-GB" smtClean="0"/>
-              <a:t>5</a:t>
-            </a:fld>
-            <a:endParaRPr lang="en-GB"/>
-          </a:p>
-        </p:txBody>
-      </p:sp>
-    </p:spTree>
-    <p:extLst>
-      <p:ext uri="{BB962C8B-B14F-4D97-AF65-F5344CB8AC3E}">
-        <p14:creationId xmlns:p14="http://schemas.microsoft.com/office/powerpoint/2010/main" val="1248973265"/>
-      </p:ext>
-    </p:extLst>
-  </p:cSld>
-  <p:clrMapOvr>
-    <a:masterClrMapping/>
-  </p:clrMapOvr>
-</p:notes>
-</file>
-
-<file path=ppt/notesSlides/notesSlide6.xml><?xml version="1.0" encoding="utf-8"?>
-<p:notes xmlns:a="http://schemas.openxmlformats.org/drawingml/2006/main" xmlns:r="http://schemas.openxmlformats.org/officeDocument/2006/relationships" xmlns:p="http://schemas.openxmlformats.org/presentationml/2006/main">
-  <p:cSld>
-    <p:spTree>
-      <p:nvGrpSpPr>
-        <p:cNvPr id="1" name=""/>
-        <p:cNvGrpSpPr/>
-        <p:nvPr/>
-      </p:nvGrpSpPr>
-      <p:grpSpPr>
-        <a:xfrm>
-          <a:off x="0" y="0"/>
-          <a:ext cx="0" cy="0"/>
-          <a:chOff x="0" y="0"/>
-          <a:chExt cx="0" cy="0"/>
-        </a:xfrm>
-      </p:grpSpPr>
-      <p:sp>
-        <p:nvSpPr>
-          <p:cNvPr id="2" name="Slide Image Placeholder 1"/>
-          <p:cNvSpPr>
-            <a:spLocks noGrp="1" noRot="1" noChangeAspect="1"/>
-          </p:cNvSpPr>
-          <p:nvPr>
-            <p:ph type="sldImg"/>
-          </p:nvPr>
-        </p:nvSpPr>
-        <p:spPr/>
-      </p:sp>
-      <p:sp>
-        <p:nvSpPr>
-          <p:cNvPr id="3" name="Notes Placeholder 2"/>
-          <p:cNvSpPr>
-            <a:spLocks noGrp="1"/>
-          </p:cNvSpPr>
-          <p:nvPr>
-            <p:ph type="body" idx="1"/>
-          </p:nvPr>
-        </p:nvSpPr>
-        <p:spPr/>
-        <p:txBody>
-          <a:bodyPr/>
-          <a:lstStyle/>
-          <a:p>
-            <a:endParaRPr lang="en-GB" dirty="0"/>
-          </a:p>
-        </p:txBody>
-      </p:sp>
-      <p:sp>
-        <p:nvSpPr>
-          <p:cNvPr id="4" name="Slide Number Placeholder 3"/>
-          <p:cNvSpPr>
-            <a:spLocks noGrp="1"/>
-          </p:cNvSpPr>
-          <p:nvPr>
-            <p:ph type="sldNum" sz="quarter" idx="10"/>
-          </p:nvPr>
-        </p:nvSpPr>
-        <p:spPr/>
-        <p:txBody>
-          <a:bodyPr/>
-          <a:lstStyle/>
-          <a:p>
-            <a:fld id="{DDE251E9-812E-4854-B6DD-3E1C329A13AA}" type="slidenum">
-              <a:rPr lang="en-GB" smtClean="0"/>
-              <a:t>6</a:t>
-            </a:fld>
-            <a:endParaRPr lang="en-GB"/>
-          </a:p>
-        </p:txBody>
-      </p:sp>
-    </p:spTree>
-    <p:extLst>
-      <p:ext uri="{BB962C8B-B14F-4D97-AF65-F5344CB8AC3E}">
-        <p14:creationId xmlns:p14="http://schemas.microsoft.com/office/powerpoint/2010/main" val="3380829656"/>
-      </p:ext>
-    </p:extLst>
-  </p:cSld>
-  <p:clrMapOvr>
-    <a:masterClrMapping/>
-  </p:clrMapOvr>
-</p:notes>
-</file>
-
-<file path=ppt/notesSlides/notesSlide7.xml><?xml version="1.0" encoding="utf-8"?>
-<p:notes xmlns:a="http://schemas.openxmlformats.org/drawingml/2006/main" xmlns:r="http://schemas.openxmlformats.org/officeDocument/2006/relationships" xmlns:p="http://schemas.openxmlformats.org/presentationml/2006/main">
-  <p:cSld>
-    <p:spTree>
-      <p:nvGrpSpPr>
-        <p:cNvPr id="1" name=""/>
-        <p:cNvGrpSpPr/>
-        <p:nvPr/>
-      </p:nvGrpSpPr>
-      <p:grpSpPr>
-        <a:xfrm>
-          <a:off x="0" y="0"/>
-          <a:ext cx="0" cy="0"/>
-          <a:chOff x="0" y="0"/>
-          <a:chExt cx="0" cy="0"/>
-        </a:xfrm>
-      </p:grpSpPr>
-      <p:sp>
-        <p:nvSpPr>
-          <p:cNvPr id="2" name="Slide Image Placeholder 1"/>
-          <p:cNvSpPr>
-            <a:spLocks noGrp="1" noRot="1" noChangeAspect="1"/>
-          </p:cNvSpPr>
-          <p:nvPr>
-            <p:ph type="sldImg"/>
-          </p:nvPr>
-        </p:nvSpPr>
-        <p:spPr/>
-      </p:sp>
-      <p:sp>
-        <p:nvSpPr>
-          <p:cNvPr id="3" name="Notes Placeholder 2"/>
-          <p:cNvSpPr>
-            <a:spLocks noGrp="1"/>
-          </p:cNvSpPr>
-          <p:nvPr>
-            <p:ph type="body" idx="1"/>
-          </p:nvPr>
-        </p:nvSpPr>
-        <p:spPr/>
-        <p:txBody>
-          <a:bodyPr/>
-          <a:lstStyle/>
-          <a:p>
-            <a:endParaRPr lang="en-GB" dirty="0"/>
-          </a:p>
-        </p:txBody>
-      </p:sp>
-      <p:sp>
-        <p:nvSpPr>
-          <p:cNvPr id="4" name="Slide Number Placeholder 3"/>
-          <p:cNvSpPr>
-            <a:spLocks noGrp="1"/>
-          </p:cNvSpPr>
-          <p:nvPr>
-            <p:ph type="sldNum" sz="quarter" idx="10"/>
-          </p:nvPr>
-        </p:nvSpPr>
-        <p:spPr/>
-        <p:txBody>
-          <a:bodyPr/>
-          <a:lstStyle/>
-          <a:p>
-            <a:fld id="{DDE251E9-812E-4854-B6DD-3E1C329A13AA}" type="slidenum">
-              <a:rPr lang="en-GB" smtClean="0"/>
-              <a:t>7</a:t>
-            </a:fld>
-            <a:endParaRPr lang="en-GB"/>
-          </a:p>
-        </p:txBody>
-      </p:sp>
-    </p:spTree>
-    <p:extLst>
-      <p:ext uri="{BB962C8B-B14F-4D97-AF65-F5344CB8AC3E}">
-        <p14:creationId xmlns:p14="http://schemas.microsoft.com/office/powerpoint/2010/main" val="3118914317"/>
-      </p:ext>
-    </p:extLst>
-  </p:cSld>
-  <p:clrMapOvr>
-    <a:masterClrMapping/>
-  </p:clrMapOvr>
-</p:notes>
-</file>
-
-<file path=ppt/notesSlides/notesSlide8.xml><?xml version="1.0" encoding="utf-8"?>
-<p:notes xmlns:a="http://schemas.openxmlformats.org/drawingml/2006/main" xmlns:r="http://schemas.openxmlformats.org/officeDocument/2006/relationships" xmlns:p="http://schemas.openxmlformats.org/presentationml/2006/main">
-  <p:cSld>
-    <p:spTree>
-      <p:nvGrpSpPr>
-        <p:cNvPr id="1" name=""/>
-        <p:cNvGrpSpPr/>
-        <p:nvPr/>
-      </p:nvGrpSpPr>
-      <p:grpSpPr>
-        <a:xfrm>
-          <a:off x="0" y="0"/>
-          <a:ext cx="0" cy="0"/>
-          <a:chOff x="0" y="0"/>
-          <a:chExt cx="0" cy="0"/>
-        </a:xfrm>
-      </p:grpSpPr>
-      <p:sp>
-        <p:nvSpPr>
-          <p:cNvPr id="2" name="Slide Image Placeholder 1"/>
-          <p:cNvSpPr>
-            <a:spLocks noGrp="1" noRot="1" noChangeAspect="1"/>
-          </p:cNvSpPr>
-          <p:nvPr>
-            <p:ph type="sldImg"/>
-          </p:nvPr>
-        </p:nvSpPr>
-        <p:spPr/>
-      </p:sp>
-      <p:sp>
-        <p:nvSpPr>
-          <p:cNvPr id="3" name="Notes Placeholder 2"/>
-          <p:cNvSpPr>
-            <a:spLocks noGrp="1"/>
-          </p:cNvSpPr>
-          <p:nvPr>
-            <p:ph type="body" idx="1"/>
-          </p:nvPr>
-        </p:nvSpPr>
-        <p:spPr/>
-        <p:txBody>
-          <a:bodyPr/>
-          <a:lstStyle/>
-          <a:p>
-            <a:endParaRPr lang="en-GB" dirty="0"/>
-          </a:p>
-        </p:txBody>
-      </p:sp>
-      <p:sp>
-        <p:nvSpPr>
-          <p:cNvPr id="4" name="Slide Number Placeholder 3"/>
-          <p:cNvSpPr>
-            <a:spLocks noGrp="1"/>
-          </p:cNvSpPr>
-          <p:nvPr>
-            <p:ph type="sldNum" sz="quarter" idx="10"/>
-          </p:nvPr>
-        </p:nvSpPr>
-        <p:spPr/>
-        <p:txBody>
-          <a:bodyPr/>
-          <a:lstStyle/>
-          <a:p>
-            <a:fld id="{DDE251E9-812E-4854-B6DD-3E1C329A13AA}" type="slidenum">
-              <a:rPr lang="en-GB" smtClean="0"/>
-              <a:t>8</a:t>
-            </a:fld>
-            <a:endParaRPr lang="en-GB"/>
-          </a:p>
-        </p:txBody>
-      </p:sp>
-    </p:spTree>
-    <p:extLst>
-      <p:ext uri="{BB962C8B-B14F-4D97-AF65-F5344CB8AC3E}">
-        <p14:creationId xmlns:p14="http://schemas.microsoft.com/office/powerpoint/2010/main" val="1099006791"/>
-      </p:ext>
-    </p:extLst>
-  </p:cSld>
-  <p:clrMapOvr>
-    <a:masterClrMapping/>
-  </p:clrMapOvr>
-</p:notes>
-</file>
-
-<file path=ppt/notesSlides/notesSlide9.xml><?xml version="1.0" encoding="utf-8"?>
-<p:notes xmlns:a="http://schemas.openxmlformats.org/drawingml/2006/main" xmlns:r="http://schemas.openxmlformats.org/officeDocument/2006/relationships" xmlns:p="http://schemas.openxmlformats.org/presentationml/2006/main">
-  <p:cSld>
-    <p:spTree>
-      <p:nvGrpSpPr>
-        <p:cNvPr id="1" name=""/>
-        <p:cNvGrpSpPr/>
-        <p:nvPr/>
-      </p:nvGrpSpPr>
-      <p:grpSpPr>
-        <a:xfrm>
-          <a:off x="0" y="0"/>
-          <a:ext cx="0" cy="0"/>
-          <a:chOff x="0" y="0"/>
-          <a:chExt cx="0" cy="0"/>
-        </a:xfrm>
-      </p:grpSpPr>
-      <p:sp>
-        <p:nvSpPr>
-          <p:cNvPr id="2" name="Slide Image Placeholder 1"/>
-          <p:cNvSpPr>
-            <a:spLocks noGrp="1" noRot="1" noChangeAspect="1"/>
-          </p:cNvSpPr>
-          <p:nvPr>
-            <p:ph type="sldImg"/>
-          </p:nvPr>
-        </p:nvSpPr>
-        <p:spPr/>
-      </p:sp>
-      <p:sp>
-        <p:nvSpPr>
-          <p:cNvPr id="3" name="Notes Placeholder 2"/>
-          <p:cNvSpPr>
-            <a:spLocks noGrp="1"/>
-          </p:cNvSpPr>
-          <p:nvPr>
-            <p:ph type="body" idx="1"/>
-          </p:nvPr>
-        </p:nvSpPr>
-        <p:spPr/>
-        <p:txBody>
-          <a:bodyPr/>
-          <a:lstStyle/>
-          <a:p>
-            <a:endParaRPr lang="en-GB" dirty="0"/>
-          </a:p>
-        </p:txBody>
-      </p:sp>
-      <p:sp>
-        <p:nvSpPr>
-          <p:cNvPr id="4" name="Slide Number Placeholder 3"/>
-          <p:cNvSpPr>
-            <a:spLocks noGrp="1"/>
-          </p:cNvSpPr>
-          <p:nvPr>
-            <p:ph type="sldNum" sz="quarter" idx="10"/>
-          </p:nvPr>
-        </p:nvSpPr>
-        <p:spPr/>
-        <p:txBody>
-          <a:bodyPr/>
-          <a:lstStyle/>
-          <a:p>
-            <a:fld id="{DDE251E9-812E-4854-B6DD-3E1C329A13AA}" type="slidenum">
-              <a:rPr lang="en-GB" smtClean="0"/>
-              <a:t>9</a:t>
-            </a:fld>
-            <a:endParaRPr lang="en-GB"/>
-          </a:p>
-        </p:txBody>
-      </p:sp>
-    </p:spTree>
-    <p:extLst>
-      <p:ext uri="{BB962C8B-B14F-4D97-AF65-F5344CB8AC3E}">
-        <p14:creationId xmlns:p14="http://schemas.microsoft.com/office/powerpoint/2010/main" val="3553196601"/>
       </p:ext>
     </p:extLst>
   </p:cSld>
@@ -1625,7 +945,7 @@
           <a:p>
             <a:fld id="{B93549DA-7207-4101-AC01-D8C7F0838AF9}" type="datetime3">
               <a:rPr lang="en-US" smtClean="0"/>
-              <a:t>27 May 2019</a:t>
+              <a:t>28 May 2019</a:t>
             </a:fld>
             <a:endParaRPr lang="en-US"/>
           </a:p>
@@ -1837,7 +1157,7 @@
           <a:p>
             <a:fld id="{6B3356D6-5AFA-4697-BF1B-5B11FC6D9C3F}" type="datetime3">
               <a:rPr lang="en-US" smtClean="0"/>
-              <a:t>27 May 2019</a:t>
+              <a:t>28 May 2019</a:t>
             </a:fld>
             <a:endParaRPr lang="en-US"/>
           </a:p>
@@ -2097,7 +1417,7 @@
           <a:p>
             <a:fld id="{39C458AD-A59C-4C0B-BF35-CC776F25ED60}" type="datetime3">
               <a:rPr lang="en-US" smtClean="0"/>
-              <a:t>27 May 2019</a:t>
+              <a:t>28 May 2019</a:t>
             </a:fld>
             <a:endParaRPr lang="en-US"/>
           </a:p>
@@ -2271,7 +1591,7 @@
           <a:p>
             <a:fld id="{13143EFC-DA6C-4B2A-A663-25194C68352E}" type="datetime3">
               <a:rPr lang="en-US" smtClean="0"/>
-              <a:t>27 May 2019</a:t>
+              <a:t>28 May 2019</a:t>
             </a:fld>
             <a:endParaRPr lang="en-US"/>
           </a:p>
@@ -2618,7 +1938,7 @@
           <a:p>
             <a:fld id="{10EBF91E-F74B-43D8-9A96-5E5AED4A0583}" type="datetime3">
               <a:rPr lang="en-US" smtClean="0"/>
-              <a:t>27 May 2019</a:t>
+              <a:t>28 May 2019</a:t>
             </a:fld>
             <a:endParaRPr lang="en-US"/>
           </a:p>
@@ -2897,7 +2217,7 @@
           <a:p>
             <a:fld id="{EF68B882-6789-4EFD-B927-92F14706BDF7}" type="datetime3">
               <a:rPr lang="en-US" smtClean="0"/>
-              <a:t>27 May 2019</a:t>
+              <a:t>28 May 2019</a:t>
             </a:fld>
             <a:endParaRPr lang="en-US"/>
           </a:p>
@@ -3280,7 +2600,7 @@
           <a:p>
             <a:fld id="{69FC1DD0-08B2-43B3-AEF0-BF606E1E934B}" type="datetime3">
               <a:rPr lang="en-US" smtClean="0"/>
-              <a:t>27 May 2019</a:t>
+              <a:t>28 May 2019</a:t>
             </a:fld>
             <a:endParaRPr lang="en-US"/>
           </a:p>
@@ -3402,7 +2722,7 @@
           <a:p>
             <a:fld id="{4C7E968B-DB77-4620-B607-92BCA7FAA7C4}" type="datetime3">
               <a:rPr lang="en-US" smtClean="0"/>
-              <a:t>27 May 2019</a:t>
+              <a:t>28 May 2019</a:t>
             </a:fld>
             <a:endParaRPr lang="en-US"/>
           </a:p>
@@ -3577,7 +2897,7 @@
           <a:p>
             <a:fld id="{136A9F13-2635-4BC3-9FB2-FA4EB28723A3}" type="datetime3">
               <a:rPr lang="en-US" smtClean="0"/>
-              <a:t>27 May 2019</a:t>
+              <a:t>28 May 2019</a:t>
             </a:fld>
             <a:endParaRPr lang="en-US"/>
           </a:p>
@@ -3935,7 +3255,7 @@
           <a:p>
             <a:fld id="{5A316585-6219-423D-B9A1-CA72626759B2}" type="datetime3">
               <a:rPr lang="en-US" smtClean="0"/>
-              <a:t>27 May 2019</a:t>
+              <a:t>28 May 2019</a:t>
             </a:fld>
             <a:endParaRPr lang="en-US"/>
           </a:p>
@@ -4316,7 +3636,7 @@
           <a:p>
             <a:fld id="{BFD9067D-9751-4010-B63A-2F1ED6E5E699}" type="datetime3">
               <a:rPr lang="en-US" smtClean="0"/>
-              <a:t>27 May 2019</a:t>
+              <a:t>28 May 2019</a:t>
             </a:fld>
             <a:endParaRPr lang="en-US"/>
           </a:p>
@@ -4607,7 +3927,7 @@
           <a:p>
             <a:fld id="{A24F5CAB-D6EB-4020-8ED6-55735DF143A1}" type="datetime3">
               <a:rPr lang="en-US" smtClean="0"/>
-              <a:t>27 May 2019</a:t>
+              <a:t>28 May 2019</a:t>
             </a:fld>
             <a:endParaRPr lang="en-US"/>
           </a:p>
@@ -5321,392 +4641,6 @@
 </p:sld>
 </file>
 
-<file path=ppt/slides/slide10.xml><?xml version="1.0" encoding="utf-8"?>
-<p:sld xmlns:a="http://schemas.openxmlformats.org/drawingml/2006/main" xmlns:r="http://schemas.openxmlformats.org/officeDocument/2006/relationships" xmlns:p="http://schemas.openxmlformats.org/presentationml/2006/main">
-  <p:cSld>
-    <p:spTree>
-      <p:nvGrpSpPr>
-        <p:cNvPr id="1" name=""/>
-        <p:cNvGrpSpPr/>
-        <p:nvPr/>
-      </p:nvGrpSpPr>
-      <p:grpSpPr>
-        <a:xfrm>
-          <a:off x="0" y="0"/>
-          <a:ext cx="0" cy="0"/>
-          <a:chOff x="0" y="0"/>
-          <a:chExt cx="0" cy="0"/>
-        </a:xfrm>
-      </p:grpSpPr>
-      <p:sp>
-        <p:nvSpPr>
-          <p:cNvPr id="2" name="Date Placeholder 1"/>
-          <p:cNvSpPr>
-            <a:spLocks noGrp="1"/>
-          </p:cNvSpPr>
-          <p:nvPr>
-            <p:ph type="dt" sz="half" idx="10"/>
-          </p:nvPr>
-        </p:nvSpPr>
-        <p:spPr/>
-        <p:txBody>
-          <a:bodyPr/>
-          <a:lstStyle/>
-          <a:p>
-            <a:fld id="{F423AD52-91DE-4A7E-91C9-8856504CB4B5}" type="datetime3">
-              <a:rPr lang="en-US" smtClean="0"/>
-              <a:t>27 May 2019</a:t>
-            </a:fld>
-            <a:endParaRPr lang="en-US"/>
-          </a:p>
-        </p:txBody>
-      </p:sp>
-      <p:sp>
-        <p:nvSpPr>
-          <p:cNvPr id="3" name="Footer Placeholder 2"/>
-          <p:cNvSpPr>
-            <a:spLocks noGrp="1"/>
-          </p:cNvSpPr>
-          <p:nvPr>
-            <p:ph type="ftr" sz="quarter" idx="11"/>
-          </p:nvPr>
-        </p:nvSpPr>
-        <p:spPr/>
-        <p:txBody>
-          <a:bodyPr/>
-          <a:lstStyle/>
-          <a:p>
-            <a:r>
-              <a:rPr lang="fi-FI"/>
-              <a:t>NTUA, G. Bakas</a:t>
-            </a:r>
-            <a:endParaRPr lang="en-US"/>
-          </a:p>
-        </p:txBody>
-      </p:sp>
-      <p:sp>
-        <p:nvSpPr>
-          <p:cNvPr id="4" name="TextBox 3"/>
-          <p:cNvSpPr txBox="1"/>
-          <p:nvPr/>
-        </p:nvSpPr>
-        <p:spPr>
-          <a:xfrm>
-            <a:off x="346842" y="717331"/>
-            <a:ext cx="11633664" cy="338554"/>
-          </a:xfrm>
-          <a:prstGeom prst="rect">
-            <a:avLst/>
-          </a:prstGeom>
-          <a:noFill/>
-        </p:spPr>
-        <p:txBody>
-          <a:bodyPr wrap="square" rtlCol="0">
-            <a:spAutoFit/>
-          </a:bodyPr>
-          <a:lstStyle/>
-          <a:p>
-            <a:endParaRPr lang="en-GB" sz="1600" dirty="0"/>
-          </a:p>
-        </p:txBody>
-      </p:sp>
-      <p:sp>
-        <p:nvSpPr>
-          <p:cNvPr id="5" name="TextBox 4"/>
-          <p:cNvSpPr txBox="1"/>
-          <p:nvPr/>
-        </p:nvSpPr>
-        <p:spPr>
-          <a:xfrm>
-            <a:off x="260131" y="157656"/>
-            <a:ext cx="10846676" cy="369332"/>
-          </a:xfrm>
-          <a:prstGeom prst="rect">
-            <a:avLst/>
-          </a:prstGeom>
-          <a:noFill/>
-        </p:spPr>
-        <p:txBody>
-          <a:bodyPr wrap="square" rtlCol="0">
-            <a:spAutoFit/>
-          </a:bodyPr>
-          <a:lstStyle/>
-          <a:p>
-            <a:r>
-              <a:rPr lang="en-US" u="sng" dirty="0"/>
-              <a:t>Response matrix for chi distribution in different </a:t>
-            </a:r>
-            <a:r>
-              <a:rPr lang="en-US" u="sng" dirty="0" err="1"/>
-              <a:t>mTTbar</a:t>
-            </a:r>
-            <a:r>
-              <a:rPr lang="en-US" u="sng" dirty="0"/>
-              <a:t> regions</a:t>
-            </a:r>
-            <a:endParaRPr lang="en-GB" u="sng" dirty="0"/>
-          </a:p>
-        </p:txBody>
-      </p:sp>
-      <p:sp>
-        <p:nvSpPr>
-          <p:cNvPr id="6" name="Slide Number Placeholder 5"/>
-          <p:cNvSpPr>
-            <a:spLocks noGrp="1"/>
-          </p:cNvSpPr>
-          <p:nvPr>
-            <p:ph type="sldNum" sz="quarter" idx="12"/>
-          </p:nvPr>
-        </p:nvSpPr>
-        <p:spPr/>
-        <p:txBody>
-          <a:bodyPr/>
-          <a:lstStyle/>
-          <a:p>
-            <a:fld id="{AEEFAC8D-0A19-DC49-9F7A-4BFCAD95B105}" type="slidenum">
-              <a:rPr lang="en-US" smtClean="0"/>
-              <a:t>10</a:t>
-            </a:fld>
-            <a:endParaRPr lang="en-US"/>
-          </a:p>
-        </p:txBody>
-      </p:sp>
-      <p:pic>
-        <p:nvPicPr>
-          <p:cNvPr id="7" name="Picture 6"/>
-          <p:cNvPicPr>
-            <a:picLocks noChangeAspect="1"/>
-          </p:cNvPicPr>
-          <p:nvPr/>
-        </p:nvPicPr>
-        <p:blipFill>
-          <a:blip r:embed="rId3">
-            <a:extLst>
-              <a:ext uri="{28A0092B-C50C-407E-A947-70E740481C1C}">
-                <a14:useLocalDpi xmlns:a14="http://schemas.microsoft.com/office/drawing/2010/main" val="0"/>
-              </a:ext>
-            </a:extLst>
-          </a:blip>
-          <a:stretch>
-            <a:fillRect/>
-          </a:stretch>
-        </p:blipFill>
-        <p:spPr>
-          <a:xfrm>
-            <a:off x="1819275" y="714375"/>
-            <a:ext cx="8553450" cy="5429250"/>
-          </a:xfrm>
-          <a:prstGeom prst="rect">
-            <a:avLst/>
-          </a:prstGeom>
-        </p:spPr>
-      </p:pic>
-    </p:spTree>
-    <p:extLst>
-      <p:ext uri="{BB962C8B-B14F-4D97-AF65-F5344CB8AC3E}">
-        <p14:creationId xmlns:p14="http://schemas.microsoft.com/office/powerpoint/2010/main" val="4012609774"/>
-      </p:ext>
-    </p:extLst>
-  </p:cSld>
-  <p:clrMapOvr>
-    <a:masterClrMapping/>
-  </p:clrMapOvr>
-</p:sld>
-</file>
-
-<file path=ppt/slides/slide11.xml><?xml version="1.0" encoding="utf-8"?>
-<p:sld xmlns:a="http://schemas.openxmlformats.org/drawingml/2006/main" xmlns:r="http://schemas.openxmlformats.org/officeDocument/2006/relationships" xmlns:p="http://schemas.openxmlformats.org/presentationml/2006/main">
-  <p:cSld>
-    <p:spTree>
-      <p:nvGrpSpPr>
-        <p:cNvPr id="1" name=""/>
-        <p:cNvGrpSpPr/>
-        <p:nvPr/>
-      </p:nvGrpSpPr>
-      <p:grpSpPr>
-        <a:xfrm>
-          <a:off x="0" y="0"/>
-          <a:ext cx="0" cy="0"/>
-          <a:chOff x="0" y="0"/>
-          <a:chExt cx="0" cy="0"/>
-        </a:xfrm>
-      </p:grpSpPr>
-      <p:sp>
-        <p:nvSpPr>
-          <p:cNvPr id="2" name="Date Placeholder 1"/>
-          <p:cNvSpPr>
-            <a:spLocks noGrp="1"/>
-          </p:cNvSpPr>
-          <p:nvPr>
-            <p:ph type="dt" sz="half" idx="10"/>
-          </p:nvPr>
-        </p:nvSpPr>
-        <p:spPr/>
-        <p:txBody>
-          <a:bodyPr/>
-          <a:lstStyle/>
-          <a:p>
-            <a:fld id="{F423AD52-91DE-4A7E-91C9-8856504CB4B5}" type="datetime3">
-              <a:rPr lang="en-US" smtClean="0"/>
-              <a:t>27 May 2019</a:t>
-            </a:fld>
-            <a:endParaRPr lang="en-US"/>
-          </a:p>
-        </p:txBody>
-      </p:sp>
-      <p:sp>
-        <p:nvSpPr>
-          <p:cNvPr id="3" name="Footer Placeholder 2"/>
-          <p:cNvSpPr>
-            <a:spLocks noGrp="1"/>
-          </p:cNvSpPr>
-          <p:nvPr>
-            <p:ph type="ftr" sz="quarter" idx="11"/>
-          </p:nvPr>
-        </p:nvSpPr>
-        <p:spPr/>
-        <p:txBody>
-          <a:bodyPr/>
-          <a:lstStyle/>
-          <a:p>
-            <a:r>
-              <a:rPr lang="fi-FI"/>
-              <a:t>NTUA, G. Bakas</a:t>
-            </a:r>
-            <a:endParaRPr lang="en-US"/>
-          </a:p>
-        </p:txBody>
-      </p:sp>
-      <p:sp>
-        <p:nvSpPr>
-          <p:cNvPr id="4" name="TextBox 3"/>
-          <p:cNvSpPr txBox="1"/>
-          <p:nvPr/>
-        </p:nvSpPr>
-        <p:spPr>
-          <a:xfrm>
-            <a:off x="346842" y="717331"/>
-            <a:ext cx="11633664" cy="338554"/>
-          </a:xfrm>
-          <a:prstGeom prst="rect">
-            <a:avLst/>
-          </a:prstGeom>
-          <a:noFill/>
-        </p:spPr>
-        <p:txBody>
-          <a:bodyPr wrap="square" rtlCol="0">
-            <a:spAutoFit/>
-          </a:bodyPr>
-          <a:lstStyle/>
-          <a:p>
-            <a:endParaRPr lang="en-GB" sz="1600" dirty="0"/>
-          </a:p>
-        </p:txBody>
-      </p:sp>
-      <p:sp>
-        <p:nvSpPr>
-          <p:cNvPr id="5" name="TextBox 4"/>
-          <p:cNvSpPr txBox="1"/>
-          <p:nvPr/>
-        </p:nvSpPr>
-        <p:spPr>
-          <a:xfrm>
-            <a:off x="260131" y="157656"/>
-            <a:ext cx="10846676" cy="369332"/>
-          </a:xfrm>
-          <a:prstGeom prst="rect">
-            <a:avLst/>
-          </a:prstGeom>
-          <a:noFill/>
-        </p:spPr>
-        <p:txBody>
-          <a:bodyPr wrap="square" rtlCol="0">
-            <a:spAutoFit/>
-          </a:bodyPr>
-          <a:lstStyle/>
-          <a:p>
-            <a:r>
-              <a:rPr lang="en-US" u="sng" dirty="0"/>
-              <a:t>Response matrix for chi distribution in different </a:t>
-            </a:r>
-            <a:r>
-              <a:rPr lang="en-US" u="sng" dirty="0" err="1"/>
-              <a:t>mTTbar</a:t>
-            </a:r>
-            <a:r>
-              <a:rPr lang="en-US" u="sng" dirty="0"/>
-              <a:t> regions</a:t>
-            </a:r>
-            <a:endParaRPr lang="en-GB" u="sng" dirty="0"/>
-          </a:p>
-        </p:txBody>
-      </p:sp>
-      <p:sp>
-        <p:nvSpPr>
-          <p:cNvPr id="6" name="Slide Number Placeholder 5"/>
-          <p:cNvSpPr>
-            <a:spLocks noGrp="1"/>
-          </p:cNvSpPr>
-          <p:nvPr>
-            <p:ph type="sldNum" sz="quarter" idx="12"/>
-          </p:nvPr>
-        </p:nvSpPr>
-        <p:spPr/>
-        <p:txBody>
-          <a:bodyPr/>
-          <a:lstStyle/>
-          <a:p>
-            <a:fld id="{AEEFAC8D-0A19-DC49-9F7A-4BFCAD95B105}" type="slidenum">
-              <a:rPr lang="en-US" smtClean="0"/>
-              <a:t>11</a:t>
-            </a:fld>
-            <a:endParaRPr lang="en-US"/>
-          </a:p>
-        </p:txBody>
-      </p:sp>
-      <p:pic>
-        <p:nvPicPr>
-          <p:cNvPr id="7" name="Picture 6"/>
-          <p:cNvPicPr>
-            <a:picLocks noChangeAspect="1"/>
-          </p:cNvPicPr>
-          <p:nvPr/>
-        </p:nvPicPr>
-        <p:blipFill>
-          <a:blip r:embed="rId3">
-            <a:extLst>
-              <a:ext uri="{28A0092B-C50C-407E-A947-70E740481C1C}">
-                <a14:useLocalDpi xmlns:a14="http://schemas.microsoft.com/office/drawing/2010/main" val="0"/>
-              </a:ext>
-            </a:extLst>
-          </a:blip>
-          <a:stretch>
-            <a:fillRect/>
-          </a:stretch>
-        </p:blipFill>
-        <p:spPr>
-          <a:xfrm>
-            <a:off x="1819275" y="700087"/>
-            <a:ext cx="8553450" cy="5457825"/>
-          </a:xfrm>
-          <a:prstGeom prst="rect">
-            <a:avLst/>
-          </a:prstGeom>
-        </p:spPr>
-      </p:pic>
-    </p:spTree>
-    <p:extLst>
-      <p:ext uri="{BB962C8B-B14F-4D97-AF65-F5344CB8AC3E}">
-        <p14:creationId xmlns:p14="http://schemas.microsoft.com/office/powerpoint/2010/main" val="429947488"/>
-      </p:ext>
-    </p:extLst>
-  </p:cSld>
-  <p:clrMapOvr>
-    <a:masterClrMapping/>
-  </p:clrMapOvr>
-</p:sld>
-</file>
-
 <file path=ppt/slides/slide2.xml><?xml version="1.0" encoding="utf-8"?>
 <p:sld xmlns:a="http://schemas.openxmlformats.org/drawingml/2006/main" xmlns:r="http://schemas.openxmlformats.org/officeDocument/2006/relationships" xmlns:p="http://schemas.openxmlformats.org/presentationml/2006/main">
   <p:cSld>
@@ -5741,7 +4675,7 @@
           <a:p>
             <a:fld id="{7E37C362-8B6B-44E6-96A6-D3578FE67DFA}" type="datetime3">
               <a:rPr lang="en-US" smtClean="0"/>
-              <a:t>27 May 2019</a:t>
+              <a:t>28 May 2019</a:t>
             </a:fld>
             <a:endParaRPr lang="en-US"/>
           </a:p>
@@ -5770,8 +4704,8 @@
           </a:p>
         </p:txBody>
       </p:sp>
-      <mc:AlternateContent xmlns:mc="http://schemas.openxmlformats.org/markup-compatibility/2006">
-        <mc:Choice xmlns:a14="http://schemas.microsoft.com/office/drawing/2010/main" Requires="a14">
+      <mc:AlternateContent xmlns:mc="http://schemas.openxmlformats.org/markup-compatibility/2006" xmlns:a14="http://schemas.microsoft.com/office/drawing/2010/main">
+        <mc:Choice Requires="a14">
           <p:sp>
             <p:nvSpPr>
               <p:cNvPr id="4" name="TextBox 3"/>
@@ -6684,7 +5618,7 @@
             </p:txBody>
           </p:sp>
         </mc:Choice>
-        <mc:Fallback>
+        <mc:Fallback xmlns="">
           <p:sp>
             <p:nvSpPr>
               <p:cNvPr id="4" name="TextBox 3"/>
@@ -6823,7 +5757,7 @@
           <a:p>
             <a:fld id="{F423AD52-91DE-4A7E-91C9-8856504CB4B5}" type="datetime3">
               <a:rPr lang="en-US" smtClean="0"/>
-              <a:t>27 May 2019</a:t>
+              <a:t>28 May 2019</a:t>
             </a:fld>
             <a:endParaRPr lang="en-US"/>
           </a:p>
@@ -6861,7 +5795,7 @@
         <p:spPr>
           <a:xfrm>
             <a:off x="346842" y="717331"/>
-            <a:ext cx="11633664" cy="5755422"/>
+            <a:ext cx="11633664" cy="6247864"/>
           </a:xfrm>
           <a:prstGeom prst="rect">
             <a:avLst/>
@@ -6901,8 +5835,20 @@
               <a:t>&gt; </a:t>
             </a:r>
             <a:r>
+              <a:rPr lang="el-GR" sz="1600" dirty="0" smtClean="0">
+                <a:solidFill>
+                  <a:srgbClr val="FF0000"/>
+                </a:solidFill>
+              </a:rPr>
+              <a:t>500*</a:t>
+            </a:r>
+            <a:r>
               <a:rPr lang="it-IT" sz="1600" dirty="0" smtClean="0"/>
-              <a:t>400, |partonEta|&lt; 2.4,  mTTbarParton </a:t>
+              <a:t>, </a:t>
+            </a:r>
+            <a:r>
+              <a:rPr lang="it-IT" sz="1600" dirty="0" smtClean="0"/>
+              <a:t>|partonEta|&lt; 2.4,  mTTbarParton </a:t>
             </a:r>
             <a:r>
               <a:rPr lang="it-IT" sz="1600" dirty="0"/>
@@ -6920,7 +5866,27 @@
             </a:pPr>
             <a:r>
               <a:rPr lang="it-IT" sz="1600" dirty="0" smtClean="0"/>
-              <a:t>Reco: jetPt&gt;400, |jetEta| &lt; 2.4, nLeptons ==0</a:t>
+              <a:t>Reco: </a:t>
+            </a:r>
+            <a:r>
+              <a:rPr lang="it-IT" sz="1600" dirty="0" smtClean="0"/>
+              <a:t>jetPt&gt;</a:t>
+            </a:r>
+            <a:r>
+              <a:rPr lang="el-GR" sz="1600" dirty="0" smtClean="0">
+                <a:solidFill>
+                  <a:srgbClr val="FF0000"/>
+                </a:solidFill>
+              </a:rPr>
+              <a:t>500</a:t>
+            </a:r>
+            <a:r>
+              <a:rPr lang="it-IT" sz="1600" dirty="0" smtClean="0"/>
+              <a:t>, </a:t>
+            </a:r>
+            <a:r>
+              <a:rPr lang="it-IT" sz="1600" dirty="0" smtClean="0"/>
+              <a:t>|jetEta| &lt; 2.4, nLeptons ==0</a:t>
             </a:r>
           </a:p>
           <a:p>
@@ -7133,6 +6099,23 @@
             <a:r>
               <a:rPr lang="el-GR" sz="1600" dirty="0" smtClean="0"/>
               <a:t>χ</a:t>
+            </a:r>
+          </a:p>
+          <a:p>
+            <a:pPr marL="285750" indent="-285750">
+              <a:buFont typeface="Arial" panose="020B0604020202020204" pitchFamily="34" charset="0"/>
+              <a:buChar char="•"/>
+            </a:pPr>
+            <a:endParaRPr lang="el-GR" sz="1600" dirty="0"/>
+          </a:p>
+          <a:p>
+            <a:r>
+              <a:rPr lang="en-US" sz="1600" dirty="0" smtClean="0"/>
+              <a:t>*By applying the Pt to be more than 500, we get more similar </a:t>
+            </a:r>
+            <a:r>
+              <a:rPr lang="en-US" sz="1600" smtClean="0"/>
+              <a:t>results with ATLAS</a:t>
             </a:r>
             <a:endParaRPr lang="en-US" sz="1600" dirty="0"/>
           </a:p>
@@ -7213,1122 +6196,6 @@
     <p:extLst>
       <p:ext uri="{BB962C8B-B14F-4D97-AF65-F5344CB8AC3E}">
         <p14:creationId xmlns:p14="http://schemas.microsoft.com/office/powerpoint/2010/main" val="3081200129"/>
-      </p:ext>
-    </p:extLst>
-  </p:cSld>
-  <p:clrMapOvr>
-    <a:masterClrMapping/>
-  </p:clrMapOvr>
-</p:sld>
-</file>
-
-<file path=ppt/slides/slide4.xml><?xml version="1.0" encoding="utf-8"?>
-<p:sld xmlns:a="http://schemas.openxmlformats.org/drawingml/2006/main" xmlns:r="http://schemas.openxmlformats.org/officeDocument/2006/relationships" xmlns:p="http://schemas.openxmlformats.org/presentationml/2006/main">
-  <p:cSld>
-    <p:spTree>
-      <p:nvGrpSpPr>
-        <p:cNvPr id="1" name=""/>
-        <p:cNvGrpSpPr/>
-        <p:nvPr/>
-      </p:nvGrpSpPr>
-      <p:grpSpPr>
-        <a:xfrm>
-          <a:off x="0" y="0"/>
-          <a:ext cx="0" cy="0"/>
-          <a:chOff x="0" y="0"/>
-          <a:chExt cx="0" cy="0"/>
-        </a:xfrm>
-      </p:grpSpPr>
-      <p:sp>
-        <p:nvSpPr>
-          <p:cNvPr id="2" name="Date Placeholder 1"/>
-          <p:cNvSpPr>
-            <a:spLocks noGrp="1"/>
-          </p:cNvSpPr>
-          <p:nvPr>
-            <p:ph type="dt" sz="half" idx="10"/>
-          </p:nvPr>
-        </p:nvSpPr>
-        <p:spPr/>
-        <p:txBody>
-          <a:bodyPr/>
-          <a:lstStyle/>
-          <a:p>
-            <a:fld id="{F423AD52-91DE-4A7E-91C9-8856504CB4B5}" type="datetime3">
-              <a:rPr lang="en-US" smtClean="0"/>
-              <a:t>27 May 2019</a:t>
-            </a:fld>
-            <a:endParaRPr lang="en-US"/>
-          </a:p>
-        </p:txBody>
-      </p:sp>
-      <p:sp>
-        <p:nvSpPr>
-          <p:cNvPr id="3" name="Footer Placeholder 2"/>
-          <p:cNvSpPr>
-            <a:spLocks noGrp="1"/>
-          </p:cNvSpPr>
-          <p:nvPr>
-            <p:ph type="ftr" sz="quarter" idx="11"/>
-          </p:nvPr>
-        </p:nvSpPr>
-        <p:spPr/>
-        <p:txBody>
-          <a:bodyPr/>
-          <a:lstStyle/>
-          <a:p>
-            <a:r>
-              <a:rPr lang="fi-FI"/>
-              <a:t>NTUA, G. Bakas</a:t>
-            </a:r>
-            <a:endParaRPr lang="en-US"/>
-          </a:p>
-        </p:txBody>
-      </p:sp>
-      <p:sp>
-        <p:nvSpPr>
-          <p:cNvPr id="5" name="TextBox 4"/>
-          <p:cNvSpPr txBox="1"/>
-          <p:nvPr/>
-        </p:nvSpPr>
-        <p:spPr>
-          <a:xfrm>
-            <a:off x="260131" y="157656"/>
-            <a:ext cx="10846676" cy="369332"/>
-          </a:xfrm>
-          <a:prstGeom prst="rect">
-            <a:avLst/>
-          </a:prstGeom>
-          <a:noFill/>
-        </p:spPr>
-        <p:txBody>
-          <a:bodyPr wrap="square" rtlCol="0">
-            <a:spAutoFit/>
-          </a:bodyPr>
-          <a:lstStyle/>
-          <a:p>
-            <a:r>
-              <a:rPr lang="en-US" u="sng" dirty="0" smtClean="0"/>
-              <a:t>Response Matrix for </a:t>
-            </a:r>
-            <a:r>
-              <a:rPr lang="el-GR" u="sng" dirty="0" smtClean="0"/>
-              <a:t>χ </a:t>
-            </a:r>
-            <a:r>
-              <a:rPr lang="en-US" u="sng" dirty="0" smtClean="0"/>
-              <a:t>distribution</a:t>
-            </a:r>
-            <a:endParaRPr lang="en-GB" u="sng" dirty="0"/>
-          </a:p>
-        </p:txBody>
-      </p:sp>
-      <p:sp>
-        <p:nvSpPr>
-          <p:cNvPr id="6" name="Slide Number Placeholder 5"/>
-          <p:cNvSpPr>
-            <a:spLocks noGrp="1"/>
-          </p:cNvSpPr>
-          <p:nvPr>
-            <p:ph type="sldNum" sz="quarter" idx="12"/>
-          </p:nvPr>
-        </p:nvSpPr>
-        <p:spPr/>
-        <p:txBody>
-          <a:bodyPr/>
-          <a:lstStyle/>
-          <a:p>
-            <a:fld id="{AEEFAC8D-0A19-DC49-9F7A-4BFCAD95B105}" type="slidenum">
-              <a:rPr lang="en-US" smtClean="0"/>
-              <a:t>4</a:t>
-            </a:fld>
-            <a:endParaRPr lang="en-US"/>
-          </a:p>
-        </p:txBody>
-      </p:sp>
-      <p:pic>
-        <p:nvPicPr>
-          <p:cNvPr id="7" name="Picture 6"/>
-          <p:cNvPicPr>
-            <a:picLocks noChangeAspect="1"/>
-          </p:cNvPicPr>
-          <p:nvPr/>
-        </p:nvPicPr>
-        <p:blipFill>
-          <a:blip r:embed="rId3">
-            <a:extLst>
-              <a:ext uri="{28A0092B-C50C-407E-A947-70E740481C1C}">
-                <a14:useLocalDpi xmlns:a14="http://schemas.microsoft.com/office/drawing/2010/main" val="0"/>
-              </a:ext>
-            </a:extLst>
-          </a:blip>
-          <a:stretch>
-            <a:fillRect/>
-          </a:stretch>
-        </p:blipFill>
-        <p:spPr>
-          <a:xfrm>
-            <a:off x="1819275" y="700087"/>
-            <a:ext cx="8553450" cy="5457825"/>
-          </a:xfrm>
-          <a:prstGeom prst="rect">
-            <a:avLst/>
-          </a:prstGeom>
-        </p:spPr>
-      </p:pic>
-    </p:spTree>
-    <p:extLst>
-      <p:ext uri="{BB962C8B-B14F-4D97-AF65-F5344CB8AC3E}">
-        <p14:creationId xmlns:p14="http://schemas.microsoft.com/office/powerpoint/2010/main" val="1917371933"/>
-      </p:ext>
-    </p:extLst>
-  </p:cSld>
-  <p:clrMapOvr>
-    <a:masterClrMapping/>
-  </p:clrMapOvr>
-</p:sld>
-</file>
-
-<file path=ppt/slides/slide5.xml><?xml version="1.0" encoding="utf-8"?>
-<p:sld xmlns:a="http://schemas.openxmlformats.org/drawingml/2006/main" xmlns:r="http://schemas.openxmlformats.org/officeDocument/2006/relationships" xmlns:p="http://schemas.openxmlformats.org/presentationml/2006/main">
-  <p:cSld>
-    <p:spTree>
-      <p:nvGrpSpPr>
-        <p:cNvPr id="1" name=""/>
-        <p:cNvGrpSpPr/>
-        <p:nvPr/>
-      </p:nvGrpSpPr>
-      <p:grpSpPr>
-        <a:xfrm>
-          <a:off x="0" y="0"/>
-          <a:ext cx="0" cy="0"/>
-          <a:chOff x="0" y="0"/>
-          <a:chExt cx="0" cy="0"/>
-        </a:xfrm>
-      </p:grpSpPr>
-      <p:sp>
-        <p:nvSpPr>
-          <p:cNvPr id="2" name="Date Placeholder 1"/>
-          <p:cNvSpPr>
-            <a:spLocks noGrp="1"/>
-          </p:cNvSpPr>
-          <p:nvPr>
-            <p:ph type="dt" sz="half" idx="10"/>
-          </p:nvPr>
-        </p:nvSpPr>
-        <p:spPr/>
-        <p:txBody>
-          <a:bodyPr/>
-          <a:lstStyle/>
-          <a:p>
-            <a:fld id="{F423AD52-91DE-4A7E-91C9-8856504CB4B5}" type="datetime3">
-              <a:rPr lang="en-US" smtClean="0"/>
-              <a:t>27 May 2019</a:t>
-            </a:fld>
-            <a:endParaRPr lang="en-US"/>
-          </a:p>
-        </p:txBody>
-      </p:sp>
-      <p:sp>
-        <p:nvSpPr>
-          <p:cNvPr id="3" name="Footer Placeholder 2"/>
-          <p:cNvSpPr>
-            <a:spLocks noGrp="1"/>
-          </p:cNvSpPr>
-          <p:nvPr>
-            <p:ph type="ftr" sz="quarter" idx="11"/>
-          </p:nvPr>
-        </p:nvSpPr>
-        <p:spPr/>
-        <p:txBody>
-          <a:bodyPr/>
-          <a:lstStyle/>
-          <a:p>
-            <a:r>
-              <a:rPr lang="fi-FI"/>
-              <a:t>NTUA, G. Bakas</a:t>
-            </a:r>
-            <a:endParaRPr lang="en-US"/>
-          </a:p>
-        </p:txBody>
-      </p:sp>
-      <p:sp>
-        <p:nvSpPr>
-          <p:cNvPr id="4" name="TextBox 3"/>
-          <p:cNvSpPr txBox="1"/>
-          <p:nvPr/>
-        </p:nvSpPr>
-        <p:spPr>
-          <a:xfrm>
-            <a:off x="346842" y="717331"/>
-            <a:ext cx="11633664" cy="338554"/>
-          </a:xfrm>
-          <a:prstGeom prst="rect">
-            <a:avLst/>
-          </a:prstGeom>
-          <a:noFill/>
-        </p:spPr>
-        <p:txBody>
-          <a:bodyPr wrap="square" rtlCol="0">
-            <a:spAutoFit/>
-          </a:bodyPr>
-          <a:lstStyle/>
-          <a:p>
-            <a:endParaRPr lang="en-GB" sz="1600" dirty="0"/>
-          </a:p>
-        </p:txBody>
-      </p:sp>
-      <p:sp>
-        <p:nvSpPr>
-          <p:cNvPr id="5" name="TextBox 4"/>
-          <p:cNvSpPr txBox="1"/>
-          <p:nvPr/>
-        </p:nvSpPr>
-        <p:spPr>
-          <a:xfrm>
-            <a:off x="260131" y="157656"/>
-            <a:ext cx="10846676" cy="369332"/>
-          </a:xfrm>
-          <a:prstGeom prst="rect">
-            <a:avLst/>
-          </a:prstGeom>
-          <a:noFill/>
-        </p:spPr>
-        <p:txBody>
-          <a:bodyPr wrap="square" rtlCol="0">
-            <a:spAutoFit/>
-          </a:bodyPr>
-          <a:lstStyle/>
-          <a:p>
-            <a:r>
-              <a:rPr lang="en-US" u="sng" dirty="0" smtClean="0"/>
-              <a:t>Efficiency and Acceptance</a:t>
-            </a:r>
-            <a:endParaRPr lang="en-GB" u="sng" dirty="0"/>
-          </a:p>
-        </p:txBody>
-      </p:sp>
-      <p:sp>
-        <p:nvSpPr>
-          <p:cNvPr id="6" name="Slide Number Placeholder 5"/>
-          <p:cNvSpPr>
-            <a:spLocks noGrp="1"/>
-          </p:cNvSpPr>
-          <p:nvPr>
-            <p:ph type="sldNum" sz="quarter" idx="12"/>
-          </p:nvPr>
-        </p:nvSpPr>
-        <p:spPr/>
-        <p:txBody>
-          <a:bodyPr/>
-          <a:lstStyle/>
-          <a:p>
-            <a:fld id="{AEEFAC8D-0A19-DC49-9F7A-4BFCAD95B105}" type="slidenum">
-              <a:rPr lang="en-US" smtClean="0"/>
-              <a:t>5</a:t>
-            </a:fld>
-            <a:endParaRPr lang="en-US"/>
-          </a:p>
-        </p:txBody>
-      </p:sp>
-      <p:pic>
-        <p:nvPicPr>
-          <p:cNvPr id="8" name="Picture 7"/>
-          <p:cNvPicPr>
-            <a:picLocks noChangeAspect="1"/>
-          </p:cNvPicPr>
-          <p:nvPr/>
-        </p:nvPicPr>
-        <p:blipFill>
-          <a:blip r:embed="rId3">
-            <a:extLst>
-              <a:ext uri="{28A0092B-C50C-407E-A947-70E740481C1C}">
-                <a14:useLocalDpi xmlns:a14="http://schemas.microsoft.com/office/drawing/2010/main" val="0"/>
-              </a:ext>
-            </a:extLst>
-          </a:blip>
-          <a:stretch>
-            <a:fillRect/>
-          </a:stretch>
-        </p:blipFill>
-        <p:spPr>
-          <a:xfrm>
-            <a:off x="1819275" y="700087"/>
-            <a:ext cx="8553450" cy="5457825"/>
-          </a:xfrm>
-          <a:prstGeom prst="rect">
-            <a:avLst/>
-          </a:prstGeom>
-        </p:spPr>
-      </p:pic>
-    </p:spTree>
-    <p:extLst>
-      <p:ext uri="{BB962C8B-B14F-4D97-AF65-F5344CB8AC3E}">
-        <p14:creationId xmlns:p14="http://schemas.microsoft.com/office/powerpoint/2010/main" val="1773426959"/>
-      </p:ext>
-    </p:extLst>
-  </p:cSld>
-  <p:clrMapOvr>
-    <a:masterClrMapping/>
-  </p:clrMapOvr>
-</p:sld>
-</file>
-
-<file path=ppt/slides/slide6.xml><?xml version="1.0" encoding="utf-8"?>
-<p:sld xmlns:a="http://schemas.openxmlformats.org/drawingml/2006/main" xmlns:r="http://schemas.openxmlformats.org/officeDocument/2006/relationships" xmlns:p="http://schemas.openxmlformats.org/presentationml/2006/main">
-  <p:cSld>
-    <p:spTree>
-      <p:nvGrpSpPr>
-        <p:cNvPr id="1" name=""/>
-        <p:cNvGrpSpPr/>
-        <p:nvPr/>
-      </p:nvGrpSpPr>
-      <p:grpSpPr>
-        <a:xfrm>
-          <a:off x="0" y="0"/>
-          <a:ext cx="0" cy="0"/>
-          <a:chOff x="0" y="0"/>
-          <a:chExt cx="0" cy="0"/>
-        </a:xfrm>
-      </p:grpSpPr>
-      <p:sp>
-        <p:nvSpPr>
-          <p:cNvPr id="2" name="Date Placeholder 1"/>
-          <p:cNvSpPr>
-            <a:spLocks noGrp="1"/>
-          </p:cNvSpPr>
-          <p:nvPr>
-            <p:ph type="dt" sz="half" idx="10"/>
-          </p:nvPr>
-        </p:nvSpPr>
-        <p:spPr/>
-        <p:txBody>
-          <a:bodyPr/>
-          <a:lstStyle/>
-          <a:p>
-            <a:fld id="{F423AD52-91DE-4A7E-91C9-8856504CB4B5}" type="datetime3">
-              <a:rPr lang="en-US" smtClean="0"/>
-              <a:t>27 May 2019</a:t>
-            </a:fld>
-            <a:endParaRPr lang="en-US"/>
-          </a:p>
-        </p:txBody>
-      </p:sp>
-      <p:sp>
-        <p:nvSpPr>
-          <p:cNvPr id="3" name="Footer Placeholder 2"/>
-          <p:cNvSpPr>
-            <a:spLocks noGrp="1"/>
-          </p:cNvSpPr>
-          <p:nvPr>
-            <p:ph type="ftr" sz="quarter" idx="11"/>
-          </p:nvPr>
-        </p:nvSpPr>
-        <p:spPr/>
-        <p:txBody>
-          <a:bodyPr/>
-          <a:lstStyle/>
-          <a:p>
-            <a:r>
-              <a:rPr lang="fi-FI"/>
-              <a:t>NTUA, G. Bakas</a:t>
-            </a:r>
-            <a:endParaRPr lang="en-US"/>
-          </a:p>
-        </p:txBody>
-      </p:sp>
-      <p:sp>
-        <p:nvSpPr>
-          <p:cNvPr id="4" name="TextBox 3"/>
-          <p:cNvSpPr txBox="1"/>
-          <p:nvPr/>
-        </p:nvSpPr>
-        <p:spPr>
-          <a:xfrm>
-            <a:off x="346842" y="717331"/>
-            <a:ext cx="11633664" cy="338554"/>
-          </a:xfrm>
-          <a:prstGeom prst="rect">
-            <a:avLst/>
-          </a:prstGeom>
-          <a:noFill/>
-        </p:spPr>
-        <p:txBody>
-          <a:bodyPr wrap="square" rtlCol="0">
-            <a:spAutoFit/>
-          </a:bodyPr>
-          <a:lstStyle/>
-          <a:p>
-            <a:endParaRPr lang="en-GB" sz="1600" dirty="0"/>
-          </a:p>
-        </p:txBody>
-      </p:sp>
-      <p:sp>
-        <p:nvSpPr>
-          <p:cNvPr id="5" name="TextBox 4"/>
-          <p:cNvSpPr txBox="1"/>
-          <p:nvPr/>
-        </p:nvSpPr>
-        <p:spPr>
-          <a:xfrm>
-            <a:off x="260131" y="157656"/>
-            <a:ext cx="10846676" cy="369332"/>
-          </a:xfrm>
-          <a:prstGeom prst="rect">
-            <a:avLst/>
-          </a:prstGeom>
-          <a:noFill/>
-        </p:spPr>
-        <p:txBody>
-          <a:bodyPr wrap="square" rtlCol="0">
-            <a:spAutoFit/>
-          </a:bodyPr>
-          <a:lstStyle/>
-          <a:p>
-            <a:r>
-              <a:rPr lang="en-US" u="sng" dirty="0" smtClean="0"/>
-              <a:t>Purity and Stability</a:t>
-            </a:r>
-            <a:endParaRPr lang="en-GB" u="sng" dirty="0"/>
-          </a:p>
-        </p:txBody>
-      </p:sp>
-      <p:sp>
-        <p:nvSpPr>
-          <p:cNvPr id="6" name="Slide Number Placeholder 5"/>
-          <p:cNvSpPr>
-            <a:spLocks noGrp="1"/>
-          </p:cNvSpPr>
-          <p:nvPr>
-            <p:ph type="sldNum" sz="quarter" idx="12"/>
-          </p:nvPr>
-        </p:nvSpPr>
-        <p:spPr/>
-        <p:txBody>
-          <a:bodyPr/>
-          <a:lstStyle/>
-          <a:p>
-            <a:fld id="{AEEFAC8D-0A19-DC49-9F7A-4BFCAD95B105}" type="slidenum">
-              <a:rPr lang="en-US" smtClean="0"/>
-              <a:t>6</a:t>
-            </a:fld>
-            <a:endParaRPr lang="en-US"/>
-          </a:p>
-        </p:txBody>
-      </p:sp>
-      <p:pic>
-        <p:nvPicPr>
-          <p:cNvPr id="7" name="Picture 6"/>
-          <p:cNvPicPr>
-            <a:picLocks noChangeAspect="1"/>
-          </p:cNvPicPr>
-          <p:nvPr/>
-        </p:nvPicPr>
-        <p:blipFill>
-          <a:blip r:embed="rId3">
-            <a:extLst>
-              <a:ext uri="{28A0092B-C50C-407E-A947-70E740481C1C}">
-                <a14:useLocalDpi xmlns:a14="http://schemas.microsoft.com/office/drawing/2010/main" val="0"/>
-              </a:ext>
-            </a:extLst>
-          </a:blip>
-          <a:stretch>
-            <a:fillRect/>
-          </a:stretch>
-        </p:blipFill>
-        <p:spPr>
-          <a:xfrm>
-            <a:off x="1819275" y="700087"/>
-            <a:ext cx="8553450" cy="5457825"/>
-          </a:xfrm>
-          <a:prstGeom prst="rect">
-            <a:avLst/>
-          </a:prstGeom>
-        </p:spPr>
-      </p:pic>
-    </p:spTree>
-    <p:extLst>
-      <p:ext uri="{BB962C8B-B14F-4D97-AF65-F5344CB8AC3E}">
-        <p14:creationId xmlns:p14="http://schemas.microsoft.com/office/powerpoint/2010/main" val="3957365361"/>
-      </p:ext>
-    </p:extLst>
-  </p:cSld>
-  <p:clrMapOvr>
-    <a:masterClrMapping/>
-  </p:clrMapOvr>
-</p:sld>
-</file>
-
-<file path=ppt/slides/slide7.xml><?xml version="1.0" encoding="utf-8"?>
-<p:sld xmlns:a="http://schemas.openxmlformats.org/drawingml/2006/main" xmlns:r="http://schemas.openxmlformats.org/officeDocument/2006/relationships" xmlns:p="http://schemas.openxmlformats.org/presentationml/2006/main">
-  <p:cSld>
-    <p:spTree>
-      <p:nvGrpSpPr>
-        <p:cNvPr id="1" name=""/>
-        <p:cNvGrpSpPr/>
-        <p:nvPr/>
-      </p:nvGrpSpPr>
-      <p:grpSpPr>
-        <a:xfrm>
-          <a:off x="0" y="0"/>
-          <a:ext cx="0" cy="0"/>
-          <a:chOff x="0" y="0"/>
-          <a:chExt cx="0" cy="0"/>
-        </a:xfrm>
-      </p:grpSpPr>
-      <p:sp>
-        <p:nvSpPr>
-          <p:cNvPr id="2" name="Date Placeholder 1"/>
-          <p:cNvSpPr>
-            <a:spLocks noGrp="1"/>
-          </p:cNvSpPr>
-          <p:nvPr>
-            <p:ph type="dt" sz="half" idx="10"/>
-          </p:nvPr>
-        </p:nvSpPr>
-        <p:spPr/>
-        <p:txBody>
-          <a:bodyPr/>
-          <a:lstStyle/>
-          <a:p>
-            <a:fld id="{F423AD52-91DE-4A7E-91C9-8856504CB4B5}" type="datetime3">
-              <a:rPr lang="en-US" smtClean="0"/>
-              <a:t>27 May 2019</a:t>
-            </a:fld>
-            <a:endParaRPr lang="en-US"/>
-          </a:p>
-        </p:txBody>
-      </p:sp>
-      <p:sp>
-        <p:nvSpPr>
-          <p:cNvPr id="3" name="Footer Placeholder 2"/>
-          <p:cNvSpPr>
-            <a:spLocks noGrp="1"/>
-          </p:cNvSpPr>
-          <p:nvPr>
-            <p:ph type="ftr" sz="quarter" idx="11"/>
-          </p:nvPr>
-        </p:nvSpPr>
-        <p:spPr/>
-        <p:txBody>
-          <a:bodyPr/>
-          <a:lstStyle/>
-          <a:p>
-            <a:r>
-              <a:rPr lang="fi-FI"/>
-              <a:t>NTUA, G. Bakas</a:t>
-            </a:r>
-            <a:endParaRPr lang="en-US"/>
-          </a:p>
-        </p:txBody>
-      </p:sp>
-      <p:sp>
-        <p:nvSpPr>
-          <p:cNvPr id="4" name="TextBox 3"/>
-          <p:cNvSpPr txBox="1"/>
-          <p:nvPr/>
-        </p:nvSpPr>
-        <p:spPr>
-          <a:xfrm>
-            <a:off x="346842" y="717331"/>
-            <a:ext cx="11633664" cy="338554"/>
-          </a:xfrm>
-          <a:prstGeom prst="rect">
-            <a:avLst/>
-          </a:prstGeom>
-          <a:noFill/>
-        </p:spPr>
-        <p:txBody>
-          <a:bodyPr wrap="square" rtlCol="0">
-            <a:spAutoFit/>
-          </a:bodyPr>
-          <a:lstStyle/>
-          <a:p>
-            <a:endParaRPr lang="en-GB" sz="1600" dirty="0"/>
-          </a:p>
-        </p:txBody>
-      </p:sp>
-      <p:sp>
-        <p:nvSpPr>
-          <p:cNvPr id="5" name="TextBox 4"/>
-          <p:cNvSpPr txBox="1"/>
-          <p:nvPr/>
-        </p:nvSpPr>
-        <p:spPr>
-          <a:xfrm>
-            <a:off x="260131" y="157656"/>
-            <a:ext cx="10846676" cy="369332"/>
-          </a:xfrm>
-          <a:prstGeom prst="rect">
-            <a:avLst/>
-          </a:prstGeom>
-          <a:noFill/>
-        </p:spPr>
-        <p:txBody>
-          <a:bodyPr wrap="square" rtlCol="0">
-            <a:spAutoFit/>
-          </a:bodyPr>
-          <a:lstStyle/>
-          <a:p>
-            <a:r>
-              <a:rPr lang="en-US" u="sng" dirty="0" smtClean="0"/>
-              <a:t>Response matrix for chi distribution in different </a:t>
-            </a:r>
-            <a:r>
-              <a:rPr lang="en-US" u="sng" dirty="0" err="1" smtClean="0"/>
-              <a:t>mTTbar</a:t>
-            </a:r>
-            <a:r>
-              <a:rPr lang="en-US" u="sng" dirty="0" smtClean="0"/>
-              <a:t> regions</a:t>
-            </a:r>
-            <a:endParaRPr lang="en-GB" u="sng" dirty="0"/>
-          </a:p>
-        </p:txBody>
-      </p:sp>
-      <p:sp>
-        <p:nvSpPr>
-          <p:cNvPr id="6" name="Slide Number Placeholder 5"/>
-          <p:cNvSpPr>
-            <a:spLocks noGrp="1"/>
-          </p:cNvSpPr>
-          <p:nvPr>
-            <p:ph type="sldNum" sz="quarter" idx="12"/>
-          </p:nvPr>
-        </p:nvSpPr>
-        <p:spPr/>
-        <p:txBody>
-          <a:bodyPr/>
-          <a:lstStyle/>
-          <a:p>
-            <a:fld id="{AEEFAC8D-0A19-DC49-9F7A-4BFCAD95B105}" type="slidenum">
-              <a:rPr lang="en-US" smtClean="0"/>
-              <a:t>7</a:t>
-            </a:fld>
-            <a:endParaRPr lang="en-US"/>
-          </a:p>
-        </p:txBody>
-      </p:sp>
-      <p:pic>
-        <p:nvPicPr>
-          <p:cNvPr id="8" name="Picture 7"/>
-          <p:cNvPicPr>
-            <a:picLocks noChangeAspect="1"/>
-          </p:cNvPicPr>
-          <p:nvPr/>
-        </p:nvPicPr>
-        <p:blipFill>
-          <a:blip r:embed="rId3">
-            <a:extLst>
-              <a:ext uri="{28A0092B-C50C-407E-A947-70E740481C1C}">
-                <a14:useLocalDpi xmlns:a14="http://schemas.microsoft.com/office/drawing/2010/main" val="0"/>
-              </a:ext>
-            </a:extLst>
-          </a:blip>
-          <a:stretch>
-            <a:fillRect/>
-          </a:stretch>
-        </p:blipFill>
-        <p:spPr>
-          <a:xfrm>
-            <a:off x="1819275" y="700087"/>
-            <a:ext cx="8553450" cy="5457825"/>
-          </a:xfrm>
-          <a:prstGeom prst="rect">
-            <a:avLst/>
-          </a:prstGeom>
-        </p:spPr>
-      </p:pic>
-    </p:spTree>
-    <p:extLst>
-      <p:ext uri="{BB962C8B-B14F-4D97-AF65-F5344CB8AC3E}">
-        <p14:creationId xmlns:p14="http://schemas.microsoft.com/office/powerpoint/2010/main" val="3891464270"/>
-      </p:ext>
-    </p:extLst>
-  </p:cSld>
-  <p:clrMapOvr>
-    <a:masterClrMapping/>
-  </p:clrMapOvr>
-</p:sld>
-</file>
-
-<file path=ppt/slides/slide8.xml><?xml version="1.0" encoding="utf-8"?>
-<p:sld xmlns:a="http://schemas.openxmlformats.org/drawingml/2006/main" xmlns:r="http://schemas.openxmlformats.org/officeDocument/2006/relationships" xmlns:p="http://schemas.openxmlformats.org/presentationml/2006/main">
-  <p:cSld>
-    <p:spTree>
-      <p:nvGrpSpPr>
-        <p:cNvPr id="1" name=""/>
-        <p:cNvGrpSpPr/>
-        <p:nvPr/>
-      </p:nvGrpSpPr>
-      <p:grpSpPr>
-        <a:xfrm>
-          <a:off x="0" y="0"/>
-          <a:ext cx="0" cy="0"/>
-          <a:chOff x="0" y="0"/>
-          <a:chExt cx="0" cy="0"/>
-        </a:xfrm>
-      </p:grpSpPr>
-      <p:sp>
-        <p:nvSpPr>
-          <p:cNvPr id="2" name="Date Placeholder 1"/>
-          <p:cNvSpPr>
-            <a:spLocks noGrp="1"/>
-          </p:cNvSpPr>
-          <p:nvPr>
-            <p:ph type="dt" sz="half" idx="10"/>
-          </p:nvPr>
-        </p:nvSpPr>
-        <p:spPr/>
-        <p:txBody>
-          <a:bodyPr/>
-          <a:lstStyle/>
-          <a:p>
-            <a:fld id="{F423AD52-91DE-4A7E-91C9-8856504CB4B5}" type="datetime3">
-              <a:rPr lang="en-US" smtClean="0"/>
-              <a:t>27 May 2019</a:t>
-            </a:fld>
-            <a:endParaRPr lang="en-US"/>
-          </a:p>
-        </p:txBody>
-      </p:sp>
-      <p:sp>
-        <p:nvSpPr>
-          <p:cNvPr id="3" name="Footer Placeholder 2"/>
-          <p:cNvSpPr>
-            <a:spLocks noGrp="1"/>
-          </p:cNvSpPr>
-          <p:nvPr>
-            <p:ph type="ftr" sz="quarter" idx="11"/>
-          </p:nvPr>
-        </p:nvSpPr>
-        <p:spPr/>
-        <p:txBody>
-          <a:bodyPr/>
-          <a:lstStyle/>
-          <a:p>
-            <a:r>
-              <a:rPr lang="fi-FI"/>
-              <a:t>NTUA, G. Bakas</a:t>
-            </a:r>
-            <a:endParaRPr lang="en-US"/>
-          </a:p>
-        </p:txBody>
-      </p:sp>
-      <p:sp>
-        <p:nvSpPr>
-          <p:cNvPr id="4" name="TextBox 3"/>
-          <p:cNvSpPr txBox="1"/>
-          <p:nvPr/>
-        </p:nvSpPr>
-        <p:spPr>
-          <a:xfrm>
-            <a:off x="346842" y="717331"/>
-            <a:ext cx="11633664" cy="338554"/>
-          </a:xfrm>
-          <a:prstGeom prst="rect">
-            <a:avLst/>
-          </a:prstGeom>
-          <a:noFill/>
-        </p:spPr>
-        <p:txBody>
-          <a:bodyPr wrap="square" rtlCol="0">
-            <a:spAutoFit/>
-          </a:bodyPr>
-          <a:lstStyle/>
-          <a:p>
-            <a:endParaRPr lang="en-GB" sz="1600" dirty="0"/>
-          </a:p>
-        </p:txBody>
-      </p:sp>
-      <p:sp>
-        <p:nvSpPr>
-          <p:cNvPr id="5" name="TextBox 4"/>
-          <p:cNvSpPr txBox="1"/>
-          <p:nvPr/>
-        </p:nvSpPr>
-        <p:spPr>
-          <a:xfrm>
-            <a:off x="260131" y="157656"/>
-            <a:ext cx="10846676" cy="369332"/>
-          </a:xfrm>
-          <a:prstGeom prst="rect">
-            <a:avLst/>
-          </a:prstGeom>
-          <a:noFill/>
-        </p:spPr>
-        <p:txBody>
-          <a:bodyPr wrap="square" rtlCol="0">
-            <a:spAutoFit/>
-          </a:bodyPr>
-          <a:lstStyle/>
-          <a:p>
-            <a:r>
-              <a:rPr lang="en-US" u="sng" dirty="0"/>
-              <a:t>Response matrix for chi distribution in different </a:t>
-            </a:r>
-            <a:r>
-              <a:rPr lang="en-US" u="sng" dirty="0" err="1"/>
-              <a:t>mTTbar</a:t>
-            </a:r>
-            <a:r>
-              <a:rPr lang="en-US" u="sng" dirty="0"/>
-              <a:t> regions</a:t>
-            </a:r>
-            <a:endParaRPr lang="en-GB" u="sng" dirty="0"/>
-          </a:p>
-        </p:txBody>
-      </p:sp>
-      <p:sp>
-        <p:nvSpPr>
-          <p:cNvPr id="6" name="Slide Number Placeholder 5"/>
-          <p:cNvSpPr>
-            <a:spLocks noGrp="1"/>
-          </p:cNvSpPr>
-          <p:nvPr>
-            <p:ph type="sldNum" sz="quarter" idx="12"/>
-          </p:nvPr>
-        </p:nvSpPr>
-        <p:spPr/>
-        <p:txBody>
-          <a:bodyPr/>
-          <a:lstStyle/>
-          <a:p>
-            <a:fld id="{AEEFAC8D-0A19-DC49-9F7A-4BFCAD95B105}" type="slidenum">
-              <a:rPr lang="en-US" smtClean="0"/>
-              <a:t>8</a:t>
-            </a:fld>
-            <a:endParaRPr lang="en-US"/>
-          </a:p>
-        </p:txBody>
-      </p:sp>
-      <p:pic>
-        <p:nvPicPr>
-          <p:cNvPr id="7" name="Picture 6"/>
-          <p:cNvPicPr>
-            <a:picLocks noChangeAspect="1"/>
-          </p:cNvPicPr>
-          <p:nvPr/>
-        </p:nvPicPr>
-        <p:blipFill>
-          <a:blip r:embed="rId3">
-            <a:extLst>
-              <a:ext uri="{28A0092B-C50C-407E-A947-70E740481C1C}">
-                <a14:useLocalDpi xmlns:a14="http://schemas.microsoft.com/office/drawing/2010/main" val="0"/>
-              </a:ext>
-            </a:extLst>
-          </a:blip>
-          <a:stretch>
-            <a:fillRect/>
-          </a:stretch>
-        </p:blipFill>
-        <p:spPr>
-          <a:xfrm>
-            <a:off x="1819275" y="700087"/>
-            <a:ext cx="8553450" cy="5457825"/>
-          </a:xfrm>
-          <a:prstGeom prst="rect">
-            <a:avLst/>
-          </a:prstGeom>
-        </p:spPr>
-      </p:pic>
-    </p:spTree>
-    <p:extLst>
-      <p:ext uri="{BB962C8B-B14F-4D97-AF65-F5344CB8AC3E}">
-        <p14:creationId xmlns:p14="http://schemas.microsoft.com/office/powerpoint/2010/main" val="750319528"/>
-      </p:ext>
-    </p:extLst>
-  </p:cSld>
-  <p:clrMapOvr>
-    <a:masterClrMapping/>
-  </p:clrMapOvr>
-</p:sld>
-</file>
-
-<file path=ppt/slides/slide9.xml><?xml version="1.0" encoding="utf-8"?>
-<p:sld xmlns:a="http://schemas.openxmlformats.org/drawingml/2006/main" xmlns:r="http://schemas.openxmlformats.org/officeDocument/2006/relationships" xmlns:p="http://schemas.openxmlformats.org/presentationml/2006/main">
-  <p:cSld>
-    <p:spTree>
-      <p:nvGrpSpPr>
-        <p:cNvPr id="1" name=""/>
-        <p:cNvGrpSpPr/>
-        <p:nvPr/>
-      </p:nvGrpSpPr>
-      <p:grpSpPr>
-        <a:xfrm>
-          <a:off x="0" y="0"/>
-          <a:ext cx="0" cy="0"/>
-          <a:chOff x="0" y="0"/>
-          <a:chExt cx="0" cy="0"/>
-        </a:xfrm>
-      </p:grpSpPr>
-      <p:sp>
-        <p:nvSpPr>
-          <p:cNvPr id="2" name="Date Placeholder 1"/>
-          <p:cNvSpPr>
-            <a:spLocks noGrp="1"/>
-          </p:cNvSpPr>
-          <p:nvPr>
-            <p:ph type="dt" sz="half" idx="10"/>
-          </p:nvPr>
-        </p:nvSpPr>
-        <p:spPr/>
-        <p:txBody>
-          <a:bodyPr/>
-          <a:lstStyle/>
-          <a:p>
-            <a:fld id="{F423AD52-91DE-4A7E-91C9-8856504CB4B5}" type="datetime3">
-              <a:rPr lang="en-US" smtClean="0"/>
-              <a:t>27 May 2019</a:t>
-            </a:fld>
-            <a:endParaRPr lang="en-US"/>
-          </a:p>
-        </p:txBody>
-      </p:sp>
-      <p:sp>
-        <p:nvSpPr>
-          <p:cNvPr id="3" name="Footer Placeholder 2"/>
-          <p:cNvSpPr>
-            <a:spLocks noGrp="1"/>
-          </p:cNvSpPr>
-          <p:nvPr>
-            <p:ph type="ftr" sz="quarter" idx="11"/>
-          </p:nvPr>
-        </p:nvSpPr>
-        <p:spPr/>
-        <p:txBody>
-          <a:bodyPr/>
-          <a:lstStyle/>
-          <a:p>
-            <a:r>
-              <a:rPr lang="fi-FI"/>
-              <a:t>NTUA, G. Bakas</a:t>
-            </a:r>
-            <a:endParaRPr lang="en-US"/>
-          </a:p>
-        </p:txBody>
-      </p:sp>
-      <p:sp>
-        <p:nvSpPr>
-          <p:cNvPr id="4" name="TextBox 3"/>
-          <p:cNvSpPr txBox="1"/>
-          <p:nvPr/>
-        </p:nvSpPr>
-        <p:spPr>
-          <a:xfrm>
-            <a:off x="346842" y="717331"/>
-            <a:ext cx="11633664" cy="338554"/>
-          </a:xfrm>
-          <a:prstGeom prst="rect">
-            <a:avLst/>
-          </a:prstGeom>
-          <a:noFill/>
-        </p:spPr>
-        <p:txBody>
-          <a:bodyPr wrap="square" rtlCol="0">
-            <a:spAutoFit/>
-          </a:bodyPr>
-          <a:lstStyle/>
-          <a:p>
-            <a:endParaRPr lang="en-GB" sz="1600" dirty="0"/>
-          </a:p>
-        </p:txBody>
-      </p:sp>
-      <p:sp>
-        <p:nvSpPr>
-          <p:cNvPr id="5" name="TextBox 4"/>
-          <p:cNvSpPr txBox="1"/>
-          <p:nvPr/>
-        </p:nvSpPr>
-        <p:spPr>
-          <a:xfrm>
-            <a:off x="260131" y="157656"/>
-            <a:ext cx="10846676" cy="369332"/>
-          </a:xfrm>
-          <a:prstGeom prst="rect">
-            <a:avLst/>
-          </a:prstGeom>
-          <a:noFill/>
-        </p:spPr>
-        <p:txBody>
-          <a:bodyPr wrap="square" rtlCol="0">
-            <a:spAutoFit/>
-          </a:bodyPr>
-          <a:lstStyle/>
-          <a:p>
-            <a:r>
-              <a:rPr lang="en-US" u="sng" dirty="0"/>
-              <a:t>Response matrix for chi distribution in different </a:t>
-            </a:r>
-            <a:r>
-              <a:rPr lang="en-US" u="sng" dirty="0" err="1"/>
-              <a:t>mTTbar</a:t>
-            </a:r>
-            <a:r>
-              <a:rPr lang="en-US" u="sng" dirty="0"/>
-              <a:t> regions</a:t>
-            </a:r>
-            <a:endParaRPr lang="en-GB" u="sng" dirty="0"/>
-          </a:p>
-        </p:txBody>
-      </p:sp>
-      <p:sp>
-        <p:nvSpPr>
-          <p:cNvPr id="6" name="Slide Number Placeholder 5"/>
-          <p:cNvSpPr>
-            <a:spLocks noGrp="1"/>
-          </p:cNvSpPr>
-          <p:nvPr>
-            <p:ph type="sldNum" sz="quarter" idx="12"/>
-          </p:nvPr>
-        </p:nvSpPr>
-        <p:spPr/>
-        <p:txBody>
-          <a:bodyPr/>
-          <a:lstStyle/>
-          <a:p>
-            <a:fld id="{AEEFAC8D-0A19-DC49-9F7A-4BFCAD95B105}" type="slidenum">
-              <a:rPr lang="en-US" smtClean="0"/>
-              <a:t>9</a:t>
-            </a:fld>
-            <a:endParaRPr lang="en-US"/>
-          </a:p>
-        </p:txBody>
-      </p:sp>
-      <p:pic>
-        <p:nvPicPr>
-          <p:cNvPr id="7" name="Picture 6"/>
-          <p:cNvPicPr>
-            <a:picLocks noChangeAspect="1"/>
-          </p:cNvPicPr>
-          <p:nvPr/>
-        </p:nvPicPr>
-        <p:blipFill>
-          <a:blip r:embed="rId3">
-            <a:extLst>
-              <a:ext uri="{28A0092B-C50C-407E-A947-70E740481C1C}">
-                <a14:useLocalDpi xmlns:a14="http://schemas.microsoft.com/office/drawing/2010/main" val="0"/>
-              </a:ext>
-            </a:extLst>
-          </a:blip>
-          <a:stretch>
-            <a:fillRect/>
-          </a:stretch>
-        </p:blipFill>
-        <p:spPr>
-          <a:xfrm>
-            <a:off x="1819275" y="700087"/>
-            <a:ext cx="8553450" cy="5457825"/>
-          </a:xfrm>
-          <a:prstGeom prst="rect">
-            <a:avLst/>
-          </a:prstGeom>
-        </p:spPr>
-      </p:pic>
-    </p:spTree>
-    <p:extLst>
-      <p:ext uri="{BB962C8B-B14F-4D97-AF65-F5344CB8AC3E}">
-        <p14:creationId xmlns:p14="http://schemas.microsoft.com/office/powerpoint/2010/main" val="1608107502"/>
       </p:ext>
     </p:extLst>
   </p:cSld>
